--- a/documents/sample-ppt.pptx
+++ b/documents/sample-ppt.pptx
@@ -328,7 +328,7 @@
           <a:p>
             <a:fld id="{6BFECD78-3C8E-49F2-8FAB-59489D168ABB}" type="datetimeFigureOut">
               <a:rPr lang="en-US" smtClean="0"/>
-              <a:t>2/22/12</a:t>
+              <a:t>2/23/12</a:t>
             </a:fld>
             <a:endParaRPr lang="en-US"/>
           </a:p>
@@ -664,7 +664,7 @@
           <a:p>
             <a:fld id="{6BFECD78-3C8E-49F2-8FAB-59489D168ABB}" type="datetimeFigureOut">
               <a:rPr lang="en-US" smtClean="0"/>
-              <a:t>2/22/12</a:t>
+              <a:t>2/23/12</a:t>
             </a:fld>
             <a:endParaRPr lang="en-US"/>
           </a:p>
@@ -999,7 +999,7 @@
           <a:p>
             <a:fld id="{6BFECD78-3C8E-49F2-8FAB-59489D168ABB}" type="datetimeFigureOut">
               <a:rPr lang="en-US" smtClean="0"/>
-              <a:t>2/22/12</a:t>
+              <a:t>2/23/12</a:t>
             </a:fld>
             <a:endParaRPr lang="en-US"/>
           </a:p>
@@ -1334,7 +1334,7 @@
           <a:p>
             <a:fld id="{6BFECD78-3C8E-49F2-8FAB-59489D168ABB}" type="datetimeFigureOut">
               <a:rPr lang="en-US" smtClean="0"/>
-              <a:t>2/22/12</a:t>
+              <a:t>2/23/12</a:t>
             </a:fld>
             <a:endParaRPr lang="en-US"/>
           </a:p>
@@ -2026,7 +2026,7 @@
           <a:p>
             <a:fld id="{6BFECD78-3C8E-49F2-8FAB-59489D168ABB}" type="datetimeFigureOut">
               <a:rPr lang="en-US" smtClean="0"/>
-              <a:t>2/22/12</a:t>
+              <a:t>2/23/12</a:t>
             </a:fld>
             <a:endParaRPr lang="en-US"/>
           </a:p>
@@ -2208,7 +2208,7 @@
           <a:p>
             <a:fld id="{6BFECD78-3C8E-49F2-8FAB-59489D168ABB}" type="datetimeFigureOut">
               <a:rPr lang="en-US" smtClean="0"/>
-              <a:t>2/22/12</a:t>
+              <a:t>2/23/12</a:t>
             </a:fld>
             <a:endParaRPr lang="en-US"/>
           </a:p>
@@ -2385,7 +2385,7 @@
           <a:p>
             <a:fld id="{6BFECD78-3C8E-49F2-8FAB-59489D168ABB}" type="datetimeFigureOut">
               <a:rPr lang="en-US" smtClean="0"/>
-              <a:t>2/22/12</a:t>
+              <a:t>2/23/12</a:t>
             </a:fld>
             <a:endParaRPr lang="en-US"/>
           </a:p>
@@ -2636,7 +2636,7 @@
           <a:p>
             <a:fld id="{6BFECD78-3C8E-49F2-8FAB-59489D168ABB}" type="datetimeFigureOut">
               <a:rPr lang="en-US" smtClean="0"/>
-              <a:t>2/22/12</a:t>
+              <a:t>2/23/12</a:t>
             </a:fld>
             <a:endParaRPr lang="en-US"/>
           </a:p>
@@ -2969,7 +2969,7 @@
           <a:p>
             <a:fld id="{6BFECD78-3C8E-49F2-8FAB-59489D168ABB}" type="datetimeFigureOut">
               <a:rPr lang="en-US" smtClean="0"/>
-              <a:t>2/22/12</a:t>
+              <a:t>2/23/12</a:t>
             </a:fld>
             <a:endParaRPr lang="en-US"/>
           </a:p>
@@ -3264,7 +3264,7 @@
           <a:p>
             <a:fld id="{6BFECD78-3C8E-49F2-8FAB-59489D168ABB}" type="datetimeFigureOut">
               <a:rPr lang="en-US" smtClean="0"/>
-              <a:t>2/22/12</a:t>
+              <a:t>2/23/12</a:t>
             </a:fld>
             <a:endParaRPr lang="en-US"/>
           </a:p>
@@ -3703,7 +3703,7 @@
           <a:p>
             <a:fld id="{6BFECD78-3C8E-49F2-8FAB-59489D168ABB}" type="datetimeFigureOut">
               <a:rPr lang="en-US" smtClean="0"/>
-              <a:t>2/22/12</a:t>
+              <a:t>2/23/12</a:t>
             </a:fld>
             <a:endParaRPr lang="en-US"/>
           </a:p>
@@ -3893,7 +3893,7 @@
           <a:p>
             <a:fld id="{6BFECD78-3C8E-49F2-8FAB-59489D168ABB}" type="datetimeFigureOut">
               <a:rPr lang="en-US" smtClean="0"/>
-              <a:t>2/22/12</a:t>
+              <a:t>2/23/12</a:t>
             </a:fld>
             <a:endParaRPr lang="en-US"/>
           </a:p>
@@ -3986,7 +3986,7 @@
           <a:p>
             <a:fld id="{6BFECD78-3C8E-49F2-8FAB-59489D168ABB}" type="datetimeFigureOut">
               <a:rPr lang="en-US" smtClean="0"/>
-              <a:t>2/22/12</a:t>
+              <a:t>2/23/12</a:t>
             </a:fld>
             <a:endParaRPr lang="en-US"/>
           </a:p>
@@ -4270,7 +4270,7 @@
           <a:p>
             <a:fld id="{6BFECD78-3C8E-49F2-8FAB-59489D168ABB}" type="datetimeFigureOut">
               <a:rPr lang="en-US" smtClean="0"/>
-              <a:t>2/22/12</a:t>
+              <a:t>2/23/12</a:t>
             </a:fld>
             <a:endParaRPr lang="en-US"/>
           </a:p>
@@ -4489,7 +4489,7 @@
           <a:p>
             <a:fld id="{6BFECD78-3C8E-49F2-8FAB-59489D168ABB}" type="datetimeFigureOut">
               <a:rPr lang="en-US" smtClean="0"/>
-              <a:t>2/22/12</a:t>
+              <a:t>2/23/12</a:t>
             </a:fld>
             <a:endParaRPr lang="en-US"/>
           </a:p>
@@ -5005,7 +5005,7 @@
         <p:spPr/>
         <p:txBody>
           <a:bodyPr>
-            <a:normAutofit/>
+            <a:normAutofit fontScale="92500" lnSpcReduction="10000"/>
           </a:bodyPr>
           <a:lstStyle/>
           <a:p>
@@ -5041,8 +5041,26 @@
           <a:p>
             <a:r>
               <a:rPr lang="en-US" dirty="0" smtClean="0"/>
-              <a:t>… but home brewing was illegal until 1978</a:t>
-            </a:r>
+              <a:t>… but home brewing was illegal until </a:t>
+            </a:r>
+            <a:r>
+              <a:rPr lang="en-US" dirty="0" smtClean="0"/>
+              <a:t>1978</a:t>
+            </a:r>
+          </a:p>
+          <a:p>
+            <a:endParaRPr lang="en-US" dirty="0"/>
+          </a:p>
+          <a:p>
+            <a:r>
+              <a:rPr lang="en-US" dirty="0" smtClean="0"/>
+              <a:t>Rick Crawford </a:t>
+            </a:r>
+            <a:r>
+              <a:rPr lang="en-US" smtClean="0"/>
+              <a:t>wrote this…</a:t>
+            </a:r>
+            <a:endParaRPr lang="en-US" dirty="0" smtClean="0"/>
           </a:p>
         </p:txBody>
       </p:sp>
@@ -5366,6 +5384,55 @@
                       </p:childTnLst>
                     </p:cTn>
                   </p:par>
+                  <p:par>
+                    <p:cTn id="27" fill="hold">
+                      <p:stCondLst>
+                        <p:cond delay="indefinite"/>
+                      </p:stCondLst>
+                      <p:childTnLst>
+                        <p:par>
+                          <p:cTn id="28" fill="hold">
+                            <p:stCondLst>
+                              <p:cond delay="0"/>
+                            </p:stCondLst>
+                            <p:childTnLst>
+                              <p:par>
+                                <p:cTn id="29" presetID="1" presetClass="entr" presetSubtype="0" fill="hold" grpId="0" nodeType="clickEffect">
+                                  <p:stCondLst>
+                                    <p:cond delay="0"/>
+                                  </p:stCondLst>
+                                  <p:childTnLst>
+                                    <p:set>
+                                      <p:cBhvr>
+                                        <p:cTn id="30" dur="1" fill="hold">
+                                          <p:stCondLst>
+                                            <p:cond delay="0"/>
+                                          </p:stCondLst>
+                                        </p:cTn>
+                                        <p:tgtEl>
+                                          <p:spTgt spid="3">
+                                            <p:txEl>
+                                              <p:pRg st="7" end="7"/>
+                                            </p:txEl>
+                                          </p:spTgt>
+                                        </p:tgtEl>
+                                        <p:attrNameLst>
+                                          <p:attrName>style.visibility</p:attrName>
+                                        </p:attrNameLst>
+                                      </p:cBhvr>
+                                      <p:to>
+                                        <p:strVal val="visible"/>
+                                      </p:to>
+                                    </p:set>
+                                  </p:childTnLst>
+                                </p:cTn>
+                              </p:par>
+                            </p:childTnLst>
+                          </p:cTn>
+                        </p:par>
+                      </p:childTnLst>
+                    </p:cTn>
+                  </p:par>
                 </p:childTnLst>
               </p:cTn>
               <p:prevCondLst>
